--- a/Presentation/26juillet/Presentation-StageSwinburne-27Juillet.pptx
+++ b/Presentation/26juillet/Presentation-StageSwinburne-27Juillet.pptx
@@ -6,6 +6,9 @@
   </p:sldMasterIdLst>
   <p:sldIdLst>
     <p:sldId id="270" r:id="rId2"/>
+    <p:sldId id="272" r:id="rId3"/>
+    <p:sldId id="271" r:id="rId4"/>
+    <p:sldId id="273" r:id="rId5"/>
   </p:sldIdLst>
   <p:sldSz cx="9144000" cy="6858000" type="screen4x3"/>
   <p:notesSz cx="6858000" cy="9144000"/>
@@ -106,7 +109,7 @@
   </p:defaultTextStyle>
   <p:extLst>
     <p:ext uri="{EFAFB233-063F-42B5-8137-9DF3F51BA10A}">
-      <p15:sldGuideLst xmlns:p15="http://schemas.microsoft.com/office/powerpoint/2012/main" xmlns="">
+      <p15:sldGuideLst xmlns="" xmlns:p15="http://schemas.microsoft.com/office/powerpoint/2012/main">
         <p15:guide id="1" orient="horz" pos="2160">
           <p15:clr>
             <a:srgbClr val="A4A3A4"/>
@@ -6282,6 +6285,88 @@
           </a:extLst>
         </p:spPr>
       </p:pic>
+      <p:sp>
+        <p:nvSpPr>
+          <p:cNvPr id="6" name="ZoneTexte 5"/>
+          <p:cNvSpPr txBox="1"/>
+          <p:nvPr/>
+        </p:nvSpPr>
+        <p:spPr>
+          <a:xfrm>
+            <a:off x="1403648" y="4941168"/>
+            <a:ext cx="6503703" cy="369332"/>
+          </a:xfrm>
+          <a:prstGeom prst="rect">
+            <a:avLst/>
+          </a:prstGeom>
+          <a:noFill/>
+        </p:spPr>
+        <p:txBody>
+          <a:bodyPr wrap="none" rtlCol="0">
+            <a:spAutoFit/>
+          </a:bodyPr>
+          <a:lstStyle/>
+          <a:p>
+            <a:r>
+              <a:rPr lang="fr-FR" dirty="0" err="1" smtClean="0"/>
+              <a:t>With</a:t>
+            </a:r>
+            <a:r>
+              <a:rPr lang="fr-FR" dirty="0" smtClean="0"/>
+              <a:t> SEM </a:t>
+            </a:r>
+            <a:r>
+              <a:rPr lang="fr-FR" dirty="0" err="1" smtClean="0"/>
+              <a:t>we</a:t>
+            </a:r>
+            <a:r>
+              <a:rPr lang="fr-FR" dirty="0" smtClean="0"/>
+              <a:t> </a:t>
+            </a:r>
+            <a:r>
+              <a:rPr lang="fr-FR" dirty="0" err="1" smtClean="0"/>
+              <a:t>can</a:t>
+            </a:r>
+            <a:r>
+              <a:rPr lang="fr-FR" dirty="0" smtClean="0"/>
+              <a:t> close </a:t>
+            </a:r>
+            <a:r>
+              <a:rPr lang="fr-FR" dirty="0" err="1" smtClean="0"/>
+              <a:t>holes</a:t>
+            </a:r>
+            <a:r>
+              <a:rPr lang="fr-FR" dirty="0" smtClean="0"/>
+              <a:t> </a:t>
+            </a:r>
+            <a:r>
+              <a:rPr lang="fr-FR" dirty="0" err="1" smtClean="0"/>
+              <a:t>from</a:t>
+            </a:r>
+            <a:r>
+              <a:rPr lang="fr-FR" dirty="0" smtClean="0"/>
+              <a:t> </a:t>
+            </a:r>
+            <a:r>
+              <a:rPr lang="fr-FR" dirty="0" err="1" smtClean="0"/>
+              <a:t>both</a:t>
+            </a:r>
+            <a:r>
+              <a:rPr lang="fr-FR" dirty="0" smtClean="0"/>
+              <a:t> </a:t>
+            </a:r>
+            <a:r>
+              <a:rPr lang="fr-FR" dirty="0" err="1" smtClean="0"/>
+              <a:t>side</a:t>
+            </a:r>
+            <a:r>
+              <a:rPr lang="fr-FR" dirty="0" smtClean="0"/>
+              <a:t> of the membrane.</a:t>
+            </a:r>
+            <a:endParaRPr lang="fr-FR" dirty="0"/>
+          </a:p>
+        </p:txBody>
+      </p:sp>
     </p:spTree>
     <p:extLst>
       <p:ext uri="{BB962C8B-B14F-4D97-AF65-F5344CB8AC3E}">
@@ -6299,6 +6384,574 @@
       </p:par>
     </p:tnLst>
   </p:timing>
+</p:sld>
+</file>
+
+<file path=ppt/slides/slide2.xml><?xml version="1.0" encoding="utf-8"?>
+<p:sld xmlns:a="http://schemas.openxmlformats.org/drawingml/2006/main" xmlns:r="http://schemas.openxmlformats.org/officeDocument/2006/relationships" xmlns:p="http://schemas.openxmlformats.org/presentationml/2006/main">
+  <p:cSld>
+    <p:spTree>
+      <p:nvGrpSpPr>
+        <p:cNvPr id="1" name=""/>
+        <p:cNvGrpSpPr/>
+        <p:nvPr/>
+      </p:nvGrpSpPr>
+      <p:grpSpPr>
+        <a:xfrm>
+          <a:off x="0" y="0"/>
+          <a:ext cx="0" cy="0"/>
+          <a:chOff x="0" y="0"/>
+          <a:chExt cx="0" cy="0"/>
+        </a:xfrm>
+      </p:grpSpPr>
+      <p:sp>
+        <p:nvSpPr>
+          <p:cNvPr id="4" name="Titre 1"/>
+          <p:cNvSpPr>
+            <a:spLocks noGrp="1"/>
+          </p:cNvSpPr>
+          <p:nvPr>
+            <p:ph type="title"/>
+          </p:nvPr>
+        </p:nvSpPr>
+        <p:spPr/>
+        <p:txBody>
+          <a:bodyPr>
+            <a:normAutofit/>
+          </a:bodyPr>
+          <a:lstStyle/>
+          <a:p>
+            <a:r>
+              <a:rPr lang="fr-FR" dirty="0" err="1" smtClean="0"/>
+              <a:t>Closing</a:t>
+            </a:r>
+            <a:r>
+              <a:rPr lang="fr-FR" dirty="0" smtClean="0"/>
+              <a:t> </a:t>
+            </a:r>
+            <a:r>
+              <a:rPr lang="fr-FR" dirty="0" err="1" smtClean="0"/>
+              <a:t>holes</a:t>
+            </a:r>
+            <a:endParaRPr lang="fr-FR" dirty="0"/>
+          </a:p>
+        </p:txBody>
+      </p:sp>
+      <p:pic>
+        <p:nvPicPr>
+          <p:cNvPr id="9" name="Picture 2" descr="C:\Users\Adrien\Documents\GitHub\Australie\Presentation\26juillet\Graphe closign holes.png"/>
+          <p:cNvPicPr>
+            <a:picLocks noChangeAspect="1" noChangeArrowheads="1"/>
+          </p:cNvPicPr>
+          <p:nvPr/>
+        </p:nvPicPr>
+        <p:blipFill>
+          <a:blip r:embed="rId2">
+            <a:extLst>
+              <a:ext uri="{28A0092B-C50C-407E-A947-70E740481C1C}">
+                <a14:useLocalDpi xmlns:a14="http://schemas.microsoft.com/office/drawing/2010/main" val="0"/>
+              </a:ext>
+            </a:extLst>
+          </a:blip>
+          <a:srcRect/>
+          <a:stretch>
+            <a:fillRect/>
+          </a:stretch>
+        </p:blipFill>
+        <p:spPr bwMode="auto">
+          <a:xfrm>
+            <a:off x="1364040" y="1484784"/>
+            <a:ext cx="6553200" cy="4071937"/>
+          </a:xfrm>
+          <a:prstGeom prst="rect">
+            <a:avLst/>
+          </a:prstGeom>
+          <a:noFill/>
+          <a:extLst>
+            <a:ext uri="{909E8E84-426E-40DD-AFC4-6F175D3DCCD1}">
+              <a14:hiddenFill xmlns:a14="http://schemas.microsoft.com/office/drawing/2010/main">
+                <a:solidFill>
+                  <a:srgbClr val="FFFFFF"/>
+                </a:solidFill>
+              </a14:hiddenFill>
+            </a:ext>
+          </a:extLst>
+        </p:spPr>
+      </p:pic>
+      <p:sp>
+        <p:nvSpPr>
+          <p:cNvPr id="8" name="ZoneTexte 7"/>
+          <p:cNvSpPr txBox="1"/>
+          <p:nvPr/>
+        </p:nvSpPr>
+        <p:spPr>
+          <a:xfrm>
+            <a:off x="251520" y="5528493"/>
+            <a:ext cx="8352928" cy="369332"/>
+          </a:xfrm>
+          <a:prstGeom prst="rect">
+            <a:avLst/>
+          </a:prstGeom>
+          <a:noFill/>
+        </p:spPr>
+        <p:txBody>
+          <a:bodyPr wrap="square" rtlCol="0">
+            <a:spAutoFit/>
+          </a:bodyPr>
+          <a:lstStyle/>
+          <a:p>
+            <a:pPr algn="ctr"/>
+            <a:r>
+              <a:rPr lang="fr-FR" dirty="0" smtClean="0"/>
+              <a:t>The size of the </a:t>
+            </a:r>
+            <a:r>
+              <a:rPr lang="fr-FR" dirty="0" err="1" smtClean="0"/>
+              <a:t>hole</a:t>
+            </a:r>
+            <a:r>
+              <a:rPr lang="fr-FR" dirty="0" smtClean="0"/>
+              <a:t> </a:t>
+            </a:r>
+            <a:r>
+              <a:rPr lang="fr-FR" dirty="0" err="1" smtClean="0"/>
+              <a:t>depends</a:t>
+            </a:r>
+            <a:r>
+              <a:rPr lang="fr-FR" dirty="0" smtClean="0"/>
+              <a:t> ~</a:t>
+            </a:r>
+            <a:r>
+              <a:rPr lang="fr-FR" dirty="0" err="1" smtClean="0"/>
+              <a:t>linearly</a:t>
+            </a:r>
+            <a:r>
+              <a:rPr lang="fr-FR" dirty="0" smtClean="0"/>
+              <a:t> of the </a:t>
+            </a:r>
+            <a:r>
+              <a:rPr lang="fr-FR" dirty="0" err="1" smtClean="0"/>
+              <a:t>number</a:t>
+            </a:r>
+            <a:r>
+              <a:rPr lang="fr-FR" dirty="0" smtClean="0"/>
+              <a:t> of scans</a:t>
+            </a:r>
+            <a:endParaRPr lang="fr-FR" dirty="0"/>
+          </a:p>
+        </p:txBody>
+      </p:sp>
+    </p:spTree>
+    <p:extLst>
+      <p:ext uri="{BB962C8B-B14F-4D97-AF65-F5344CB8AC3E}">
+        <p14:creationId xmlns:p14="http://schemas.microsoft.com/office/powerpoint/2010/main" val="3583571565"/>
+      </p:ext>
+    </p:extLst>
+  </p:cSld>
+  <p:clrMapOvr>
+    <a:masterClrMapping/>
+  </p:clrMapOvr>
+  <p:timing>
+    <p:tnLst>
+      <p:par>
+        <p:cTn id="1" dur="indefinite" restart="never" nodeType="tmRoot"/>
+      </p:par>
+    </p:tnLst>
+  </p:timing>
+</p:sld>
+</file>
+
+<file path=ppt/slides/slide3.xml><?xml version="1.0" encoding="utf-8"?>
+<p:sld xmlns:a="http://schemas.openxmlformats.org/drawingml/2006/main" xmlns:r="http://schemas.openxmlformats.org/officeDocument/2006/relationships" xmlns:p="http://schemas.openxmlformats.org/presentationml/2006/main">
+  <p:cSld>
+    <p:spTree>
+      <p:nvGrpSpPr>
+        <p:cNvPr id="1" name=""/>
+        <p:cNvGrpSpPr/>
+        <p:nvPr/>
+      </p:nvGrpSpPr>
+      <p:grpSpPr>
+        <a:xfrm>
+          <a:off x="0" y="0"/>
+          <a:ext cx="0" cy="0"/>
+          <a:chOff x="0" y="0"/>
+          <a:chExt cx="0" cy="0"/>
+        </a:xfrm>
+      </p:grpSpPr>
+      <p:sp>
+        <p:nvSpPr>
+          <p:cNvPr id="7" name="Titre 1"/>
+          <p:cNvSpPr>
+            <a:spLocks noGrp="1"/>
+          </p:cNvSpPr>
+          <p:nvPr>
+            <p:ph type="title"/>
+          </p:nvPr>
+        </p:nvSpPr>
+        <p:spPr>
+          <a:xfrm>
+            <a:off x="301752" y="228600"/>
+            <a:ext cx="8534400" cy="758952"/>
+          </a:xfrm>
+        </p:spPr>
+        <p:txBody>
+          <a:bodyPr>
+            <a:normAutofit/>
+          </a:bodyPr>
+          <a:lstStyle/>
+          <a:p>
+            <a:r>
+              <a:rPr lang="fr-FR" dirty="0" smtClean="0"/>
+              <a:t>Profile of line and dot </a:t>
+            </a:r>
+            <a:r>
+              <a:rPr lang="fr-FR" dirty="0" err="1" smtClean="0"/>
+              <a:t>milling</a:t>
+            </a:r>
+            <a:endParaRPr lang="fr-FR" dirty="0"/>
+          </a:p>
+        </p:txBody>
+      </p:sp>
+      <p:pic>
+        <p:nvPicPr>
+          <p:cNvPr id="1029" name="Picture 5"/>
+          <p:cNvPicPr>
+            <a:picLocks noChangeAspect="1" noChangeArrowheads="1"/>
+          </p:cNvPicPr>
+          <p:nvPr/>
+        </p:nvPicPr>
+        <p:blipFill>
+          <a:blip r:embed="rId2">
+            <a:extLst>
+              <a:ext uri="{28A0092B-C50C-407E-A947-70E740481C1C}">
+                <a14:useLocalDpi xmlns:a14="http://schemas.microsoft.com/office/drawing/2010/main" val="0"/>
+              </a:ext>
+            </a:extLst>
+          </a:blip>
+          <a:srcRect/>
+          <a:stretch>
+            <a:fillRect/>
+          </a:stretch>
+        </p:blipFill>
+        <p:spPr bwMode="auto">
+          <a:xfrm>
+            <a:off x="1272828" y="1412776"/>
+            <a:ext cx="6502400" cy="4876800"/>
+          </a:xfrm>
+          <a:prstGeom prst="rect">
+            <a:avLst/>
+          </a:prstGeom>
+          <a:noFill/>
+          <a:ln>
+            <a:noFill/>
+          </a:ln>
+          <a:effectLst/>
+          <a:extLst>
+            <a:ext uri="{909E8E84-426E-40DD-AFC4-6F175D3DCCD1}">
+              <a14:hiddenFill xmlns:a14="http://schemas.microsoft.com/office/drawing/2010/main">
+                <a:solidFill>
+                  <a:schemeClr val="accent1"/>
+                </a:solidFill>
+              </a14:hiddenFill>
+            </a:ext>
+            <a:ext uri="{91240B29-F687-4F45-9708-019B960494DF}">
+              <a14:hiddenLine xmlns:a14="http://schemas.microsoft.com/office/drawing/2010/main" w="9525">
+                <a:solidFill>
+                  <a:schemeClr val="tx1"/>
+                </a:solidFill>
+                <a:miter lim="800000"/>
+                <a:headEnd/>
+                <a:tailEnd/>
+              </a14:hiddenLine>
+            </a:ext>
+            <a:ext uri="{AF507438-7753-43E0-B8FC-AC1667EBCBE1}">
+              <a14:hiddenEffects xmlns:a14="http://schemas.microsoft.com/office/drawing/2010/main">
+                <a:effectLst>
+                  <a:outerShdw dist="35921" dir="2700000" algn="ctr" rotWithShape="0">
+                    <a:schemeClr val="bg2"/>
+                  </a:outerShdw>
+                </a:effectLst>
+              </a14:hiddenEffects>
+            </a:ext>
+          </a:extLst>
+        </p:spPr>
+      </p:pic>
+    </p:spTree>
+    <p:extLst>
+      <p:ext uri="{BB962C8B-B14F-4D97-AF65-F5344CB8AC3E}">
+        <p14:creationId xmlns:p14="http://schemas.microsoft.com/office/powerpoint/2010/main" val="4291338830"/>
+      </p:ext>
+    </p:extLst>
+  </p:cSld>
+  <p:clrMapOvr>
+    <a:masterClrMapping/>
+  </p:clrMapOvr>
+</p:sld>
+</file>
+
+<file path=ppt/slides/slide4.xml><?xml version="1.0" encoding="utf-8"?>
+<p:sld xmlns:a="http://schemas.openxmlformats.org/drawingml/2006/main" xmlns:r="http://schemas.openxmlformats.org/officeDocument/2006/relationships" xmlns:p="http://schemas.openxmlformats.org/presentationml/2006/main">
+  <p:cSld>
+    <p:spTree>
+      <p:nvGrpSpPr>
+        <p:cNvPr id="1" name=""/>
+        <p:cNvGrpSpPr/>
+        <p:nvPr/>
+      </p:nvGrpSpPr>
+      <p:grpSpPr>
+        <a:xfrm>
+          <a:off x="0" y="0"/>
+          <a:ext cx="0" cy="0"/>
+          <a:chOff x="0" y="0"/>
+          <a:chExt cx="0" cy="0"/>
+        </a:xfrm>
+      </p:grpSpPr>
+      <p:pic>
+        <p:nvPicPr>
+          <p:cNvPr id="1027" name="Picture 3"/>
+          <p:cNvPicPr>
+            <a:picLocks noChangeAspect="1" noChangeArrowheads="1"/>
+          </p:cNvPicPr>
+          <p:nvPr/>
+        </p:nvPicPr>
+        <p:blipFill>
+          <a:blip r:embed="rId2">
+            <a:extLst>
+              <a:ext uri="{28A0092B-C50C-407E-A947-70E740481C1C}">
+                <a14:useLocalDpi xmlns:a14="http://schemas.microsoft.com/office/drawing/2010/main" val="0"/>
+              </a:ext>
+            </a:extLst>
+          </a:blip>
+          <a:srcRect/>
+          <a:stretch>
+            <a:fillRect/>
+          </a:stretch>
+        </p:blipFill>
+        <p:spPr bwMode="auto">
+          <a:xfrm>
+            <a:off x="4788024" y="1740063"/>
+            <a:ext cx="4146334" cy="3390049"/>
+          </a:xfrm>
+          <a:prstGeom prst="rect">
+            <a:avLst/>
+          </a:prstGeom>
+          <a:noFill/>
+          <a:ln>
+            <a:noFill/>
+          </a:ln>
+          <a:effectLst/>
+          <a:extLst>
+            <a:ext uri="{909E8E84-426E-40DD-AFC4-6F175D3DCCD1}">
+              <a14:hiddenFill xmlns:a14="http://schemas.microsoft.com/office/drawing/2010/main">
+                <a:solidFill>
+                  <a:schemeClr val="accent1"/>
+                </a:solidFill>
+              </a14:hiddenFill>
+            </a:ext>
+            <a:ext uri="{91240B29-F687-4F45-9708-019B960494DF}">
+              <a14:hiddenLine xmlns:a14="http://schemas.microsoft.com/office/drawing/2010/main" w="9525">
+                <a:solidFill>
+                  <a:schemeClr val="tx1"/>
+                </a:solidFill>
+                <a:miter lim="800000"/>
+                <a:headEnd/>
+                <a:tailEnd/>
+              </a14:hiddenLine>
+            </a:ext>
+            <a:ext uri="{AF507438-7753-43E0-B8FC-AC1667EBCBE1}">
+              <a14:hiddenEffects xmlns:a14="http://schemas.microsoft.com/office/drawing/2010/main">
+                <a:effectLst>
+                  <a:outerShdw dist="35921" dir="2700000" algn="ctr" rotWithShape="0">
+                    <a:schemeClr val="bg2"/>
+                  </a:outerShdw>
+                </a:effectLst>
+              </a14:hiddenEffects>
+            </a:ext>
+          </a:extLst>
+        </p:spPr>
+      </p:pic>
+      <p:pic>
+        <p:nvPicPr>
+          <p:cNvPr id="1028" name="Picture 4"/>
+          <p:cNvPicPr>
+            <a:picLocks noChangeAspect="1" noChangeArrowheads="1"/>
+          </p:cNvPicPr>
+          <p:nvPr/>
+        </p:nvPicPr>
+        <p:blipFill>
+          <a:blip r:embed="rId3">
+            <a:extLst>
+              <a:ext uri="{28A0092B-C50C-407E-A947-70E740481C1C}">
+                <a14:useLocalDpi xmlns:a14="http://schemas.microsoft.com/office/drawing/2010/main" val="0"/>
+              </a:ext>
+            </a:extLst>
+          </a:blip>
+          <a:srcRect/>
+          <a:stretch>
+            <a:fillRect/>
+          </a:stretch>
+        </p:blipFill>
+        <p:spPr bwMode="auto">
+          <a:xfrm>
+            <a:off x="179512" y="1740064"/>
+            <a:ext cx="4549802" cy="3390048"/>
+          </a:xfrm>
+          <a:prstGeom prst="rect">
+            <a:avLst/>
+          </a:prstGeom>
+          <a:noFill/>
+          <a:ln>
+            <a:noFill/>
+          </a:ln>
+          <a:effectLst/>
+          <a:extLst>
+            <a:ext uri="{909E8E84-426E-40DD-AFC4-6F175D3DCCD1}">
+              <a14:hiddenFill xmlns:a14="http://schemas.microsoft.com/office/drawing/2010/main">
+                <a:solidFill>
+                  <a:schemeClr val="accent1"/>
+                </a:solidFill>
+              </a14:hiddenFill>
+            </a:ext>
+            <a:ext uri="{91240B29-F687-4F45-9708-019B960494DF}">
+              <a14:hiddenLine xmlns:a14="http://schemas.microsoft.com/office/drawing/2010/main" w="9525">
+                <a:solidFill>
+                  <a:schemeClr val="tx1"/>
+                </a:solidFill>
+                <a:miter lim="800000"/>
+                <a:headEnd/>
+                <a:tailEnd/>
+              </a14:hiddenLine>
+            </a:ext>
+            <a:ext uri="{AF507438-7753-43E0-B8FC-AC1667EBCBE1}">
+              <a14:hiddenEffects xmlns:a14="http://schemas.microsoft.com/office/drawing/2010/main">
+                <a:effectLst>
+                  <a:outerShdw dist="35921" dir="2700000" algn="ctr" rotWithShape="0">
+                    <a:schemeClr val="bg2"/>
+                  </a:outerShdw>
+                </a:effectLst>
+              </a14:hiddenEffects>
+            </a:ext>
+          </a:extLst>
+        </p:spPr>
+      </p:pic>
+      <p:sp>
+        <p:nvSpPr>
+          <p:cNvPr id="7" name="Titre 1"/>
+          <p:cNvSpPr>
+            <a:spLocks noGrp="1"/>
+          </p:cNvSpPr>
+          <p:nvPr>
+            <p:ph type="title"/>
+          </p:nvPr>
+        </p:nvSpPr>
+        <p:spPr>
+          <a:xfrm>
+            <a:off x="301752" y="228600"/>
+            <a:ext cx="8534400" cy="758952"/>
+          </a:xfrm>
+        </p:spPr>
+        <p:txBody>
+          <a:bodyPr>
+            <a:normAutofit/>
+          </a:bodyPr>
+          <a:lstStyle/>
+          <a:p>
+            <a:r>
+              <a:rPr lang="fr-FR" dirty="0" smtClean="0"/>
+              <a:t>Profile of line and dot </a:t>
+            </a:r>
+            <a:r>
+              <a:rPr lang="fr-FR" dirty="0" err="1" smtClean="0"/>
+              <a:t>milling</a:t>
+            </a:r>
+            <a:endParaRPr lang="fr-FR" dirty="0"/>
+          </a:p>
+        </p:txBody>
+      </p:sp>
+      <p:sp>
+        <p:nvSpPr>
+          <p:cNvPr id="4" name="ZoneTexte 3"/>
+          <p:cNvSpPr txBox="1"/>
+          <p:nvPr/>
+        </p:nvSpPr>
+        <p:spPr>
+          <a:xfrm>
+            <a:off x="971600" y="5373216"/>
+            <a:ext cx="7830990" cy="369332"/>
+          </a:xfrm>
+          <a:prstGeom prst="rect">
+            <a:avLst/>
+          </a:prstGeom>
+          <a:noFill/>
+        </p:spPr>
+        <p:txBody>
+          <a:bodyPr wrap="none" rtlCol="0">
+            <a:spAutoFit/>
+          </a:bodyPr>
+          <a:lstStyle/>
+          <a:p>
+            <a:r>
+              <a:rPr lang="fr-FR" dirty="0" smtClean="0"/>
+              <a:t>SEM </a:t>
+            </a:r>
+            <a:r>
+              <a:rPr lang="fr-FR" dirty="0" err="1" smtClean="0"/>
+              <a:t>at</a:t>
+            </a:r>
+            <a:r>
+              <a:rPr lang="fr-FR" dirty="0" smtClean="0"/>
+              <a:t> angle </a:t>
+            </a:r>
+            <a:r>
+              <a:rPr lang="fr-FR" dirty="0" err="1" smtClean="0"/>
+              <a:t>revealed</a:t>
+            </a:r>
+            <a:r>
+              <a:rPr lang="fr-FR" dirty="0" smtClean="0"/>
+              <a:t> the profile of </a:t>
+            </a:r>
+            <a:r>
+              <a:rPr lang="fr-FR" dirty="0" err="1" smtClean="0"/>
+              <a:t>our</a:t>
+            </a:r>
+            <a:r>
+              <a:rPr lang="fr-FR" dirty="0" smtClean="0"/>
+              <a:t> </a:t>
+            </a:r>
+            <a:r>
+              <a:rPr lang="fr-FR" dirty="0" err="1" smtClean="0"/>
+              <a:t>milling</a:t>
+            </a:r>
+            <a:r>
+              <a:rPr lang="fr-FR" dirty="0" smtClean="0"/>
+              <a:t>: </a:t>
+            </a:r>
+            <a:r>
+              <a:rPr lang="fr-FR" dirty="0" err="1" smtClean="0"/>
+              <a:t>gaussian</a:t>
+            </a:r>
+            <a:r>
+              <a:rPr lang="fr-FR" dirty="0" smtClean="0"/>
+              <a:t> or </a:t>
+            </a:r>
+            <a:r>
+              <a:rPr lang="fr-FR" dirty="0" err="1" smtClean="0"/>
+              <a:t>hypergaussian</a:t>
+            </a:r>
+            <a:endParaRPr lang="fr-FR" dirty="0"/>
+          </a:p>
+        </p:txBody>
+      </p:sp>
+    </p:spTree>
+    <p:extLst>
+      <p:ext uri="{BB962C8B-B14F-4D97-AF65-F5344CB8AC3E}">
+        <p14:creationId xmlns:p14="http://schemas.microsoft.com/office/powerpoint/2010/main" val="288594999"/>
+      </p:ext>
+    </p:extLst>
+  </p:cSld>
+  <p:clrMapOvr>
+    <a:masterClrMapping/>
+  </p:clrMapOvr>
 </p:sld>
 </file>
 

--- a/Presentation/26juillet/Presentation-StageSwinburne-27Juillet.pptx
+++ b/Presentation/26juillet/Presentation-StageSwinburne-27Juillet.pptx
@@ -109,7 +109,7 @@
   </p:defaultTextStyle>
   <p:extLst>
     <p:ext uri="{EFAFB233-063F-42B5-8137-9DF3F51BA10A}">
-      <p15:sldGuideLst xmlns="" xmlns:p15="http://schemas.microsoft.com/office/powerpoint/2012/main">
+      <p15:sldGuideLst xmlns:p15="http://schemas.microsoft.com/office/powerpoint/2012/main" xmlns="">
         <p15:guide id="1" orient="horz" pos="2160">
           <p15:clr>
             <a:srgbClr val="A4A3A4"/>
@@ -406,7 +406,7 @@
           <a:p>
             <a:fld id="{AA309A6D-C09C-4548-B29A-6CF363A7E532}" type="datetimeFigureOut">
               <a:rPr lang="fr-FR" smtClean="0"/>
-              <a:t>26/07/2016</a:t>
+              <a:t>27/07/2016</a:t>
             </a:fld>
             <a:endParaRPr lang="fr-BE"/>
           </a:p>
@@ -799,7 +799,7 @@
           <a:p>
             <a:fld id="{AA309A6D-C09C-4548-B29A-6CF363A7E532}" type="datetimeFigureOut">
               <a:rPr lang="fr-FR" smtClean="0"/>
-              <a:t>26/07/2016</a:t>
+              <a:t>27/07/2016</a:t>
             </a:fld>
             <a:endParaRPr lang="fr-BE"/>
           </a:p>
@@ -1331,7 +1331,7 @@
           <a:p>
             <a:fld id="{AA309A6D-C09C-4548-B29A-6CF363A7E532}" type="datetimeFigureOut">
               <a:rPr lang="fr-FR" smtClean="0"/>
-              <a:t>26/07/2016</a:t>
+              <a:t>27/07/2016</a:t>
             </a:fld>
             <a:endParaRPr lang="fr-BE"/>
           </a:p>
@@ -1464,7 +1464,7 @@
           <a:p>
             <a:fld id="{AA309A6D-C09C-4548-B29A-6CF363A7E532}" type="datetimeFigureOut">
               <a:rPr lang="fr-FR" smtClean="0"/>
-              <a:t>26/07/2016</a:t>
+              <a:t>27/07/2016</a:t>
             </a:fld>
             <a:endParaRPr lang="fr-BE"/>
           </a:p>
@@ -2007,7 +2007,7 @@
           <a:p>
             <a:fld id="{AA309A6D-C09C-4548-B29A-6CF363A7E532}" type="datetimeFigureOut">
               <a:rPr lang="fr-FR" smtClean="0"/>
-              <a:t>26/07/2016</a:t>
+              <a:t>27/07/2016</a:t>
             </a:fld>
             <a:endParaRPr lang="fr-BE"/>
           </a:p>
@@ -2302,7 +2302,7 @@
           <a:p>
             <a:fld id="{AA309A6D-C09C-4548-B29A-6CF363A7E532}" type="datetimeFigureOut">
               <a:rPr lang="fr-FR" smtClean="0"/>
-              <a:t>26/07/2016</a:t>
+              <a:t>27/07/2016</a:t>
             </a:fld>
             <a:endParaRPr lang="fr-BE"/>
           </a:p>
@@ -2961,7 +2961,7 @@
           <a:p>
             <a:fld id="{AA309A6D-C09C-4548-B29A-6CF363A7E532}" type="datetimeFigureOut">
               <a:rPr lang="fr-FR" smtClean="0"/>
-              <a:t>26/07/2016</a:t>
+              <a:t>27/07/2016</a:t>
             </a:fld>
             <a:endParaRPr lang="fr-BE"/>
           </a:p>
@@ -3397,7 +3397,7 @@
           <a:p>
             <a:fld id="{AA309A6D-C09C-4548-B29A-6CF363A7E532}" type="datetimeFigureOut">
               <a:rPr lang="fr-FR" smtClean="0"/>
-              <a:t>26/07/2016</a:t>
+              <a:t>27/07/2016</a:t>
             </a:fld>
             <a:endParaRPr lang="fr-BE"/>
           </a:p>
@@ -3710,7 +3710,7 @@
           <a:p>
             <a:fld id="{AA309A6D-C09C-4548-B29A-6CF363A7E532}" type="datetimeFigureOut">
               <a:rPr lang="fr-FR" smtClean="0"/>
-              <a:t>26/07/2016</a:t>
+              <a:t>27/07/2016</a:t>
             </a:fld>
             <a:endParaRPr lang="fr-BE"/>
           </a:p>
@@ -4442,7 +4442,7 @@
           <a:p>
             <a:fld id="{AA309A6D-C09C-4548-B29A-6CF363A7E532}" type="datetimeFigureOut">
               <a:rPr lang="fr-FR" smtClean="0"/>
-              <a:t>26/07/2016</a:t>
+              <a:t>27/07/2016</a:t>
             </a:fld>
             <a:endParaRPr lang="fr-BE"/>
           </a:p>
@@ -5106,7 +5106,7 @@
           <a:p>
             <a:fld id="{AA309A6D-C09C-4548-B29A-6CF363A7E532}" type="datetimeFigureOut">
               <a:rPr lang="fr-FR" smtClean="0"/>
-              <a:t>26/07/2016</a:t>
+              <a:t>27/07/2016</a:t>
             </a:fld>
             <a:endParaRPr lang="fr-BE"/>
           </a:p>
@@ -5379,7 +5379,7 @@
           <a:p>
             <a:fld id="{AA309A6D-C09C-4548-B29A-6CF363A7E532}" type="datetimeFigureOut">
               <a:rPr lang="fr-FR" smtClean="0"/>
-              <a:t>26/07/2016</a:t>
+              <a:t>27/07/2016</a:t>
             </a:fld>
             <a:endParaRPr lang="fr-BE"/>
           </a:p>
@@ -6093,7 +6093,7 @@
         </p:nvGrpSpPr>
         <p:grpSpPr>
           <a:xfrm>
-            <a:off x="323528" y="1544018"/>
+            <a:off x="323528" y="1556792"/>
             <a:ext cx="4248472" cy="3253134"/>
             <a:chOff x="251520" y="1628800"/>
             <a:chExt cx="5697299" cy="3744416"/>
@@ -6293,7 +6293,7 @@
         </p:nvSpPr>
         <p:spPr>
           <a:xfrm>
-            <a:off x="1403648" y="4941168"/>
+            <a:off x="1320148" y="5363924"/>
             <a:ext cx="6503703" cy="369332"/>
           </a:xfrm>
           <a:prstGeom prst="rect">
@@ -6364,6 +6364,66 @@
               <a:t> of the membrane.</a:t>
             </a:r>
             <a:endParaRPr lang="fr-FR" dirty="0"/>
+          </a:p>
+        </p:txBody>
+      </p:sp>
+      <p:sp>
+        <p:nvSpPr>
+          <p:cNvPr id="10" name="ZoneTexte 9"/>
+          <p:cNvSpPr txBox="1"/>
+          <p:nvPr/>
+        </p:nvSpPr>
+        <p:spPr>
+          <a:xfrm>
+            <a:off x="6055298" y="4795162"/>
+            <a:ext cx="1208985" cy="400110"/>
+          </a:xfrm>
+          <a:prstGeom prst="rect">
+            <a:avLst/>
+          </a:prstGeom>
+          <a:noFill/>
+        </p:spPr>
+        <p:txBody>
+          <a:bodyPr wrap="none" rtlCol="0">
+            <a:spAutoFit/>
+          </a:bodyPr>
+          <a:lstStyle/>
+          <a:p>
+            <a:r>
+              <a:rPr lang="fr-FR" sz="2000" dirty="0" err="1" smtClean="0"/>
+              <a:t>frontside</a:t>
+            </a:r>
+            <a:endParaRPr lang="fr-FR" sz="2000" dirty="0"/>
+          </a:p>
+        </p:txBody>
+      </p:sp>
+      <p:sp>
+        <p:nvSpPr>
+          <p:cNvPr id="11" name="ZoneTexte 10"/>
+          <p:cNvSpPr txBox="1"/>
+          <p:nvPr/>
+        </p:nvSpPr>
+        <p:spPr>
+          <a:xfrm>
+            <a:off x="1843271" y="4797152"/>
+            <a:ext cx="1170513" cy="400110"/>
+          </a:xfrm>
+          <a:prstGeom prst="rect">
+            <a:avLst/>
+          </a:prstGeom>
+          <a:noFill/>
+        </p:spPr>
+        <p:txBody>
+          <a:bodyPr wrap="none" rtlCol="0">
+            <a:spAutoFit/>
+          </a:bodyPr>
+          <a:lstStyle/>
+          <a:p>
+            <a:r>
+              <a:rPr lang="fr-FR" sz="2000" dirty="0" err="1" smtClean="0"/>
+              <a:t>backside</a:t>
+            </a:r>
+            <a:endParaRPr lang="fr-FR" sz="2000" dirty="0"/>
           </a:p>
         </p:txBody>
       </p:sp>
@@ -6676,6 +6736,55 @@
           </a:extLst>
         </p:spPr>
       </p:pic>
+      <p:sp>
+        <p:nvSpPr>
+          <p:cNvPr id="2" name="ZoneTexte 1"/>
+          <p:cNvSpPr txBox="1"/>
+          <p:nvPr/>
+        </p:nvSpPr>
+        <p:spPr>
+          <a:xfrm>
+            <a:off x="7798792" y="3204845"/>
+            <a:ext cx="1188146" cy="646331"/>
+          </a:xfrm>
+          <a:prstGeom prst="rect">
+            <a:avLst/>
+          </a:prstGeom>
+          <a:noFill/>
+        </p:spPr>
+        <p:txBody>
+          <a:bodyPr wrap="none" rtlCol="0">
+            <a:spAutoFit/>
+          </a:bodyPr>
+          <a:lstStyle/>
+          <a:p>
+            <a:r>
+              <a:rPr lang="fr-FR" dirty="0" smtClean="0"/>
+              <a:t>45° </a:t>
+            </a:r>
+            <a:r>
+              <a:rPr lang="fr-FR" dirty="0" err="1" smtClean="0"/>
+              <a:t>view</a:t>
+            </a:r>
+            <a:r>
+              <a:rPr lang="fr-FR" dirty="0" smtClean="0"/>
+              <a:t/>
+            </a:r>
+            <a:br>
+              <a:rPr lang="fr-FR" dirty="0" smtClean="0"/>
+            </a:br>
+            <a:r>
+              <a:rPr lang="fr-FR" dirty="0" err="1" smtClean="0"/>
+              <a:t>with</a:t>
+            </a:r>
+            <a:r>
+              <a:rPr lang="fr-FR" dirty="0" smtClean="0"/>
+              <a:t> SEM</a:t>
+            </a:r>
+            <a:endParaRPr lang="fr-FR" dirty="0"/>
+          </a:p>
+        </p:txBody>
+      </p:sp>
     </p:spTree>
     <p:extLst>
       <p:ext uri="{BB962C8B-B14F-4D97-AF65-F5344CB8AC3E}">
